--- a/SlideQTests/TestFile/SlideQTestCount.pptx
+++ b/SlideQTests/TestFile/SlideQTestCount.pptx
@@ -5,8 +5,9 @@
     <p:sldMasterId id="2147483648" r:id="rId1"/>
   </p:sldMasterIdLst>
   <p:sldIdLst>
-    <p:sldId id="256" r:id="rId3"/>
-    <p:sldId id="257" r:id="rId4"/>
+    <p:sldId id="256" r:id="rId2"/>
+    <p:sldId id="257" r:id="rId3"/>
+    <p:sldId id="258" r:id="rId4"/>
   </p:sldIdLst>
   <p:sldSz cx="12192000" cy="6858000"/>
   <p:notesSz cx="6858000" cy="9144000"/>
@@ -105,6 +106,11 @@
       </a:defRPr>
     </a:lvl9pPr>
   </p:defaultTextStyle>
+  <p:extLst>
+    <p:ext uri="{EFAFB233-063F-42B5-8137-9DF3F51BA10A}">
+      <p15:sldGuideLst xmlns:p15="http://schemas.microsoft.com/office/powerpoint/2012/main"/>
+    </p:ext>
+  </p:extLst>
 </p:presentation>
 </file>
 
@@ -239,6 +245,7 @@
           <a:p>
             <a:fld id="{63A1C593-65D0-4073-BCC9-577B9352EA97}" type="datetimeFigureOut">
               <a:rPr lang="en-US" smtClean="0"/>
+              <a:t>9/3/2016</a:t>
             </a:fld>
             <a:endParaRPr lang="en-US"/>
           </a:p>
@@ -280,6 +287,7 @@
           <a:p>
             <a:fld id="{9B618960-8005-486C-9A75-10CB2AAC16F9}" type="slidenum">
               <a:rPr lang="en-US" smtClean="0"/>
+              <a:t>‹#›</a:t>
             </a:fld>
             <a:endParaRPr lang="en-US"/>
           </a:p>
@@ -353,7 +361,6 @@
               <a:rPr lang="en-US" smtClean="0"/>
               <a:t>Click to edit Master text styles</a:t>
             </a:r>
-            <a:endParaRPr lang="en-US" smtClean="0"/>
           </a:p>
           <a:p>
             <a:pPr lvl="1"/>
@@ -361,7 +368,6 @@
               <a:rPr lang="en-US" smtClean="0"/>
               <a:t>Second level</a:t>
             </a:r>
-            <a:endParaRPr lang="en-US" smtClean="0"/>
           </a:p>
           <a:p>
             <a:pPr lvl="2"/>
@@ -369,7 +375,6 @@
               <a:rPr lang="en-US" smtClean="0"/>
               <a:t>Third level</a:t>
             </a:r>
-            <a:endParaRPr lang="en-US" smtClean="0"/>
           </a:p>
           <a:p>
             <a:pPr lvl="3"/>
@@ -377,7 +382,6 @@
               <a:rPr lang="en-US" smtClean="0"/>
               <a:t>Fourth level</a:t>
             </a:r>
-            <a:endParaRPr lang="en-US" smtClean="0"/>
           </a:p>
           <a:p>
             <a:pPr lvl="4"/>
@@ -406,6 +410,7 @@
           <a:p>
             <a:fld id="{63A1C593-65D0-4073-BCC9-577B9352EA97}" type="datetimeFigureOut">
               <a:rPr lang="en-US" smtClean="0"/>
+              <a:t>9/3/2016</a:t>
             </a:fld>
             <a:endParaRPr lang="en-US"/>
           </a:p>
@@ -447,6 +452,7 @@
           <a:p>
             <a:fld id="{9B618960-8005-486C-9A75-10CB2AAC16F9}" type="slidenum">
               <a:rPr lang="en-US" smtClean="0"/>
+              <a:t>‹#›</a:t>
             </a:fld>
             <a:endParaRPr lang="en-US"/>
           </a:p>
@@ -530,7 +536,6 @@
               <a:rPr lang="en-US" smtClean="0"/>
               <a:t>Click to edit Master text styles</a:t>
             </a:r>
-            <a:endParaRPr lang="en-US" smtClean="0"/>
           </a:p>
           <a:p>
             <a:pPr lvl="1"/>
@@ -538,7 +543,6 @@
               <a:rPr lang="en-US" smtClean="0"/>
               <a:t>Second level</a:t>
             </a:r>
-            <a:endParaRPr lang="en-US" smtClean="0"/>
           </a:p>
           <a:p>
             <a:pPr lvl="2"/>
@@ -546,7 +550,6 @@
               <a:rPr lang="en-US" smtClean="0"/>
               <a:t>Third level</a:t>
             </a:r>
-            <a:endParaRPr lang="en-US" smtClean="0"/>
           </a:p>
           <a:p>
             <a:pPr lvl="3"/>
@@ -554,7 +557,6 @@
               <a:rPr lang="en-US" smtClean="0"/>
               <a:t>Fourth level</a:t>
             </a:r>
-            <a:endParaRPr lang="en-US" smtClean="0"/>
           </a:p>
           <a:p>
             <a:pPr lvl="4"/>
@@ -583,6 +585,7 @@
           <a:p>
             <a:fld id="{63A1C593-65D0-4073-BCC9-577B9352EA97}" type="datetimeFigureOut">
               <a:rPr lang="en-US" smtClean="0"/>
+              <a:t>9/3/2016</a:t>
             </a:fld>
             <a:endParaRPr lang="en-US"/>
           </a:p>
@@ -624,6 +627,7 @@
           <a:p>
             <a:fld id="{9B618960-8005-486C-9A75-10CB2AAC16F9}" type="slidenum">
               <a:rPr lang="en-US" smtClean="0"/>
+              <a:t>‹#›</a:t>
             </a:fld>
             <a:endParaRPr lang="en-US"/>
           </a:p>
@@ -697,7 +701,6 @@
               <a:rPr lang="en-US" smtClean="0"/>
               <a:t>Click to edit Master text styles</a:t>
             </a:r>
-            <a:endParaRPr lang="en-US" smtClean="0"/>
           </a:p>
           <a:p>
             <a:pPr lvl="1"/>
@@ -705,7 +708,6 @@
               <a:rPr lang="en-US" smtClean="0"/>
               <a:t>Second level</a:t>
             </a:r>
-            <a:endParaRPr lang="en-US" smtClean="0"/>
           </a:p>
           <a:p>
             <a:pPr lvl="2"/>
@@ -713,7 +715,6 @@
               <a:rPr lang="en-US" smtClean="0"/>
               <a:t>Third level</a:t>
             </a:r>
-            <a:endParaRPr lang="en-US" smtClean="0"/>
           </a:p>
           <a:p>
             <a:pPr lvl="3"/>
@@ -721,7 +722,6 @@
               <a:rPr lang="en-US" smtClean="0"/>
               <a:t>Fourth level</a:t>
             </a:r>
-            <a:endParaRPr lang="en-US" smtClean="0"/>
           </a:p>
           <a:p>
             <a:pPr lvl="4"/>
@@ -750,6 +750,7 @@
           <a:p>
             <a:fld id="{63A1C593-65D0-4073-BCC9-577B9352EA97}" type="datetimeFigureOut">
               <a:rPr lang="en-US" smtClean="0"/>
+              <a:t>9/3/2016</a:t>
             </a:fld>
             <a:endParaRPr lang="en-US"/>
           </a:p>
@@ -791,6 +792,7 @@
           <a:p>
             <a:fld id="{9B618960-8005-486C-9A75-10CB2AAC16F9}" type="slidenum">
               <a:rPr lang="en-US" smtClean="0"/>
+              <a:t>‹#›</a:t>
             </a:fld>
             <a:endParaRPr lang="en-US"/>
           </a:p>
@@ -989,6 +991,7 @@
           <a:p>
             <a:fld id="{63A1C593-65D0-4073-BCC9-577B9352EA97}" type="datetimeFigureOut">
               <a:rPr lang="en-US" smtClean="0"/>
+              <a:t>9/3/2016</a:t>
             </a:fld>
             <a:endParaRPr lang="en-US"/>
           </a:p>
@@ -1030,6 +1033,7 @@
           <a:p>
             <a:fld id="{9B618960-8005-486C-9A75-10CB2AAC16F9}" type="slidenum">
               <a:rPr lang="en-US" smtClean="0"/>
+              <a:t>‹#›</a:t>
             </a:fld>
             <a:endParaRPr lang="en-US"/>
           </a:p>
@@ -1108,7 +1112,6 @@
               <a:rPr lang="en-US" smtClean="0"/>
               <a:t>Click to edit Master text styles</a:t>
             </a:r>
-            <a:endParaRPr lang="en-US" smtClean="0"/>
           </a:p>
           <a:p>
             <a:pPr lvl="1"/>
@@ -1116,7 +1119,6 @@
               <a:rPr lang="en-US" smtClean="0"/>
               <a:t>Second level</a:t>
             </a:r>
-            <a:endParaRPr lang="en-US" smtClean="0"/>
           </a:p>
           <a:p>
             <a:pPr lvl="2"/>
@@ -1124,7 +1126,6 @@
               <a:rPr lang="en-US" smtClean="0"/>
               <a:t>Third level</a:t>
             </a:r>
-            <a:endParaRPr lang="en-US" smtClean="0"/>
           </a:p>
           <a:p>
             <a:pPr lvl="3"/>
@@ -1132,7 +1133,6 @@
               <a:rPr lang="en-US" smtClean="0"/>
               <a:t>Fourth level</a:t>
             </a:r>
-            <a:endParaRPr lang="en-US" smtClean="0"/>
           </a:p>
           <a:p>
             <a:pPr lvl="4"/>
@@ -1169,7 +1169,6 @@
               <a:rPr lang="en-US" smtClean="0"/>
               <a:t>Click to edit Master text styles</a:t>
             </a:r>
-            <a:endParaRPr lang="en-US" smtClean="0"/>
           </a:p>
           <a:p>
             <a:pPr lvl="1"/>
@@ -1177,7 +1176,6 @@
               <a:rPr lang="en-US" smtClean="0"/>
               <a:t>Second level</a:t>
             </a:r>
-            <a:endParaRPr lang="en-US" smtClean="0"/>
           </a:p>
           <a:p>
             <a:pPr lvl="2"/>
@@ -1185,7 +1183,6 @@
               <a:rPr lang="en-US" smtClean="0"/>
               <a:t>Third level</a:t>
             </a:r>
-            <a:endParaRPr lang="en-US" smtClean="0"/>
           </a:p>
           <a:p>
             <a:pPr lvl="3"/>
@@ -1193,7 +1190,6 @@
               <a:rPr lang="en-US" smtClean="0"/>
               <a:t>Fourth level</a:t>
             </a:r>
-            <a:endParaRPr lang="en-US" smtClean="0"/>
           </a:p>
           <a:p>
             <a:pPr lvl="4"/>
@@ -1222,6 +1218,7 @@
           <a:p>
             <a:fld id="{63A1C593-65D0-4073-BCC9-577B9352EA97}" type="datetimeFigureOut">
               <a:rPr lang="en-US" smtClean="0"/>
+              <a:t>9/3/2016</a:t>
             </a:fld>
             <a:endParaRPr lang="en-US"/>
           </a:p>
@@ -1263,6 +1260,7 @@
           <a:p>
             <a:fld id="{9B618960-8005-486C-9A75-10CB2AAC16F9}" type="slidenum">
               <a:rPr lang="en-US" smtClean="0"/>
+              <a:t>‹#›</a:t>
             </a:fld>
             <a:endParaRPr lang="en-US"/>
           </a:p>
@@ -1411,7 +1409,6 @@
               <a:rPr lang="en-US" smtClean="0"/>
               <a:t>Click to edit Master text styles</a:t>
             </a:r>
-            <a:endParaRPr lang="en-US" smtClean="0"/>
           </a:p>
           <a:p>
             <a:pPr lvl="1"/>
@@ -1419,7 +1416,6 @@
               <a:rPr lang="en-US" smtClean="0"/>
               <a:t>Second level</a:t>
             </a:r>
-            <a:endParaRPr lang="en-US" smtClean="0"/>
           </a:p>
           <a:p>
             <a:pPr lvl="2"/>
@@ -1427,7 +1423,6 @@
               <a:rPr lang="en-US" smtClean="0"/>
               <a:t>Third level</a:t>
             </a:r>
-            <a:endParaRPr lang="en-US" smtClean="0"/>
           </a:p>
           <a:p>
             <a:pPr lvl="3"/>
@@ -1435,7 +1430,6 @@
               <a:rPr lang="en-US" smtClean="0"/>
               <a:t>Fourth level</a:t>
             </a:r>
-            <a:endParaRPr lang="en-US" smtClean="0"/>
           </a:p>
           <a:p>
             <a:pPr lvl="4"/>
@@ -1537,7 +1531,6 @@
               <a:rPr lang="en-US" smtClean="0"/>
               <a:t>Click to edit Master text styles</a:t>
             </a:r>
-            <a:endParaRPr lang="en-US" smtClean="0"/>
           </a:p>
           <a:p>
             <a:pPr lvl="1"/>
@@ -1545,7 +1538,6 @@
               <a:rPr lang="en-US" smtClean="0"/>
               <a:t>Second level</a:t>
             </a:r>
-            <a:endParaRPr lang="en-US" smtClean="0"/>
           </a:p>
           <a:p>
             <a:pPr lvl="2"/>
@@ -1553,7 +1545,6 @@
               <a:rPr lang="en-US" smtClean="0"/>
               <a:t>Third level</a:t>
             </a:r>
-            <a:endParaRPr lang="en-US" smtClean="0"/>
           </a:p>
           <a:p>
             <a:pPr lvl="3"/>
@@ -1561,7 +1552,6 @@
               <a:rPr lang="en-US" smtClean="0"/>
               <a:t>Fourth level</a:t>
             </a:r>
-            <a:endParaRPr lang="en-US" smtClean="0"/>
           </a:p>
           <a:p>
             <a:pPr lvl="4"/>
@@ -1590,6 +1580,7 @@
           <a:p>
             <a:fld id="{63A1C593-65D0-4073-BCC9-577B9352EA97}" type="datetimeFigureOut">
               <a:rPr lang="en-US" smtClean="0"/>
+              <a:t>9/3/2016</a:t>
             </a:fld>
             <a:endParaRPr lang="en-US"/>
           </a:p>
@@ -1631,6 +1622,7 @@
           <a:p>
             <a:fld id="{9B618960-8005-486C-9A75-10CB2AAC16F9}" type="slidenum">
               <a:rPr lang="en-US" smtClean="0"/>
+              <a:t>‹#›</a:t>
             </a:fld>
             <a:endParaRPr lang="en-US"/>
           </a:p>
@@ -1701,6 +1693,7 @@
           <a:p>
             <a:fld id="{63A1C593-65D0-4073-BCC9-577B9352EA97}" type="datetimeFigureOut">
               <a:rPr lang="en-US" smtClean="0"/>
+              <a:t>9/3/2016</a:t>
             </a:fld>
             <a:endParaRPr lang="en-US"/>
           </a:p>
@@ -1742,6 +1735,7 @@
           <a:p>
             <a:fld id="{9B618960-8005-486C-9A75-10CB2AAC16F9}" type="slidenum">
               <a:rPr lang="en-US" smtClean="0"/>
+              <a:t>‹#›</a:t>
             </a:fld>
             <a:endParaRPr lang="en-US"/>
           </a:p>
@@ -1789,6 +1783,7 @@
           <a:p>
             <a:fld id="{63A1C593-65D0-4073-BCC9-577B9352EA97}" type="datetimeFigureOut">
               <a:rPr lang="en-US" smtClean="0"/>
+              <a:t>9/3/2016</a:t>
             </a:fld>
             <a:endParaRPr lang="en-US"/>
           </a:p>
@@ -1830,6 +1825,7 @@
           <a:p>
             <a:fld id="{9B618960-8005-486C-9A75-10CB2AAC16F9}" type="slidenum">
               <a:rPr lang="en-US" smtClean="0"/>
+              <a:t>‹#›</a:t>
             </a:fld>
             <a:endParaRPr lang="en-US"/>
           </a:p>
@@ -1945,7 +1941,6 @@
               <a:rPr lang="en-US" smtClean="0"/>
               <a:t>Click to edit Master text styles</a:t>
             </a:r>
-            <a:endParaRPr lang="en-US" smtClean="0"/>
           </a:p>
           <a:p>
             <a:pPr lvl="1"/>
@@ -1953,7 +1948,6 @@
               <a:rPr lang="en-US" smtClean="0"/>
               <a:t>Second level</a:t>
             </a:r>
-            <a:endParaRPr lang="en-US" smtClean="0"/>
           </a:p>
           <a:p>
             <a:pPr lvl="2"/>
@@ -1961,7 +1955,6 @@
               <a:rPr lang="en-US" smtClean="0"/>
               <a:t>Third level</a:t>
             </a:r>
-            <a:endParaRPr lang="en-US" smtClean="0"/>
           </a:p>
           <a:p>
             <a:pPr lvl="3"/>
@@ -1969,7 +1962,6 @@
               <a:rPr lang="en-US" smtClean="0"/>
               <a:t>Fourth level</a:t>
             </a:r>
-            <a:endParaRPr lang="en-US" smtClean="0"/>
           </a:p>
           <a:p>
             <a:pPr lvl="4"/>
@@ -2063,6 +2055,7 @@
           <a:p>
             <a:fld id="{63A1C593-65D0-4073-BCC9-577B9352EA97}" type="datetimeFigureOut">
               <a:rPr lang="en-US" smtClean="0"/>
+              <a:t>9/3/2016</a:t>
             </a:fld>
             <a:endParaRPr lang="en-US"/>
           </a:p>
@@ -2104,6 +2097,7 @@
           <a:p>
             <a:fld id="{9B618960-8005-486C-9A75-10CB2AAC16F9}" type="slidenum">
               <a:rPr lang="en-US" smtClean="0"/>
+              <a:t>‹#›</a:t>
             </a:fld>
             <a:endParaRPr lang="en-US"/>
           </a:p>
@@ -2309,6 +2303,7 @@
           <a:p>
             <a:fld id="{63A1C593-65D0-4073-BCC9-577B9352EA97}" type="datetimeFigureOut">
               <a:rPr lang="en-US" smtClean="0"/>
+              <a:t>9/3/2016</a:t>
             </a:fld>
             <a:endParaRPr lang="en-US"/>
           </a:p>
@@ -2350,6 +2345,7 @@
           <a:p>
             <a:fld id="{9B618960-8005-486C-9A75-10CB2AAC16F9}" type="slidenum">
               <a:rPr lang="en-US" smtClean="0"/>
+              <a:t>‹#›</a:t>
             </a:fld>
             <a:endParaRPr lang="en-US"/>
           </a:p>
@@ -2448,7 +2444,6 @@
               <a:rPr lang="en-US" smtClean="0"/>
               <a:t>Click to edit Master text styles</a:t>
             </a:r>
-            <a:endParaRPr lang="en-US" smtClean="0"/>
           </a:p>
           <a:p>
             <a:pPr lvl="1"/>
@@ -2456,7 +2451,6 @@
               <a:rPr lang="en-US" smtClean="0"/>
               <a:t>Second level</a:t>
             </a:r>
-            <a:endParaRPr lang="en-US" smtClean="0"/>
           </a:p>
           <a:p>
             <a:pPr lvl="2"/>
@@ -2464,7 +2458,6 @@
               <a:rPr lang="en-US" smtClean="0"/>
               <a:t>Third level</a:t>
             </a:r>
-            <a:endParaRPr lang="en-US" smtClean="0"/>
           </a:p>
           <a:p>
             <a:pPr lvl="3"/>
@@ -2472,7 +2465,6 @@
               <a:rPr lang="en-US" smtClean="0"/>
               <a:t>Fourth level</a:t>
             </a:r>
-            <a:endParaRPr lang="en-US" smtClean="0"/>
           </a:p>
           <a:p>
             <a:pPr lvl="4"/>
@@ -2519,6 +2511,7 @@
           <a:p>
             <a:fld id="{63A1C593-65D0-4073-BCC9-577B9352EA97}" type="datetimeFigureOut">
               <a:rPr lang="en-US" smtClean="0"/>
+              <a:t>9/3/2016</a:t>
             </a:fld>
             <a:endParaRPr lang="en-US"/>
           </a:p>
@@ -2596,6 +2589,7 @@
           <a:p>
             <a:fld id="{9B618960-8005-486C-9A75-10CB2AAC16F9}" type="slidenum">
               <a:rPr lang="en-US" smtClean="0"/>
+              <a:t>‹#›</a:t>
             </a:fld>
             <a:endParaRPr lang="en-US"/>
           </a:p>
@@ -2936,7 +2930,6 @@
               <a:rPr lang="en-US" dirty="0"/>
               <a:t>Hello</a:t>
             </a:r>
-            <a:endParaRPr lang="en-US" dirty="0"/>
           </a:p>
         </p:txBody>
       </p:sp>
@@ -2976,7 +2969,14 @@
         <p:cNvGrpSpPr/>
         <p:nvPr/>
       </p:nvGrpSpPr>
-      <p:grpSpPr/>
+      <p:grpSpPr>
+        <a:xfrm>
+          <a:off x="0" y="0"/>
+          <a:ext cx="0" cy="0"/>
+          <a:chOff x="0" y="0"/>
+          <a:chExt cx="0" cy="0"/>
+        </a:xfrm>
+      </p:grpSpPr>
       <p:sp>
         <p:nvSpPr>
           <p:cNvPr id="2" name="Title 1"/>
@@ -2990,6 +2990,7 @@
         <p:spPr/>
         <p:txBody>
           <a:bodyPr/>
+          <a:lstStyle/>
           <a:p>
             <a:endParaRPr lang="en-US"/>
           </a:p>
@@ -3008,12 +3009,96 @@
         <p:spPr/>
         <p:txBody>
           <a:bodyPr/>
+          <a:lstStyle/>
           <a:p>
             <a:endParaRPr lang="en-US"/>
           </a:p>
         </p:txBody>
       </p:sp>
     </p:spTree>
+  </p:cSld>
+  <p:clrMapOvr>
+    <a:masterClrMapping/>
+  </p:clrMapOvr>
+</p:sld>
+</file>
+
+<file path=ppt/slides/slide3.xml><?xml version="1.0" encoding="utf-8"?>
+<p:sld xmlns:a="http://schemas.openxmlformats.org/drawingml/2006/main" xmlns:r="http://schemas.openxmlformats.org/officeDocument/2006/relationships" xmlns:p="http://schemas.openxmlformats.org/presentationml/2006/main">
+  <p:cSld>
+    <p:spTree>
+      <p:nvGrpSpPr>
+        <p:cNvPr id="1" name=""/>
+        <p:cNvGrpSpPr/>
+        <p:nvPr/>
+      </p:nvGrpSpPr>
+      <p:grpSpPr>
+        <a:xfrm>
+          <a:off x="0" y="0"/>
+          <a:ext cx="0" cy="0"/>
+          <a:chOff x="0" y="0"/>
+          <a:chExt cx="0" cy="0"/>
+        </a:xfrm>
+      </p:grpSpPr>
+      <p:sp>
+        <p:nvSpPr>
+          <p:cNvPr id="2" name="Title 1"/>
+          <p:cNvSpPr>
+            <a:spLocks noGrp="1"/>
+          </p:cNvSpPr>
+          <p:nvPr>
+            <p:ph type="title"/>
+          </p:nvPr>
+        </p:nvSpPr>
+        <p:spPr/>
+        <p:txBody>
+          <a:bodyPr/>
+          <a:lstStyle/>
+          <a:p>
+            <a:r>
+              <a:rPr lang="en-US" dirty="0" smtClean="0"/>
+              <a:t>Text Hell Presentation Smell</a:t>
+            </a:r>
+            <a:endParaRPr lang="en-US" dirty="0"/>
+          </a:p>
+        </p:txBody>
+      </p:sp>
+      <p:sp>
+        <p:nvSpPr>
+          <p:cNvPr id="3" name="Content Placeholder 2"/>
+          <p:cNvSpPr>
+            <a:spLocks noGrp="1"/>
+          </p:cNvSpPr>
+          <p:nvPr>
+            <p:ph idx="1"/>
+          </p:nvPr>
+        </p:nvSpPr>
+        <p:spPr/>
+        <p:txBody>
+          <a:bodyPr/>
+          <a:lstStyle/>
+          <a:p>
+            <a:pPr marL="0" indent="0">
+              <a:buNone/>
+            </a:pPr>
+            <a:r>
+              <a:rPr lang="en-US" dirty="0"/>
+              <a:t>A presentation is not a document nor a teleprompter; hence, don’t try to stuff all the information in words. If a slide contains a lot of text, your audience will try to read the text and will not bother what you are speaking. </a:t>
+            </a:r>
+            <a:r>
+              <a:rPr lang="en-US"/>
+              <a:t>Slides are for defining the flow and providing visual information such as images and videos; thus, use it in the spirit and not otherwise.</a:t>
+            </a:r>
+            <a:endParaRPr lang="en-US"/>
+          </a:p>
+        </p:txBody>
+      </p:sp>
+    </p:spTree>
+    <p:extLst>
+      <p:ext uri="{BB962C8B-B14F-4D97-AF65-F5344CB8AC3E}">
+        <p14:creationId xmlns:p14="http://schemas.microsoft.com/office/powerpoint/2010/main" val="58972029"/>
+      </p:ext>
+    </p:extLst>
   </p:cSld>
   <p:clrMapOvr>
     <a:masterClrMapping/>

--- a/SlideQTests/TestFile/SlideQTestCount.pptx
+++ b/SlideQTests/TestFile/SlideQTestCount.pptx
@@ -8,6 +8,7 @@
     <p:sldId id="256" r:id="rId2"/>
     <p:sldId id="257" r:id="rId3"/>
     <p:sldId id="258" r:id="rId4"/>
+    <p:sldId id="259" r:id="rId5"/>
   </p:sldIdLst>
   <p:sldSz cx="12192000" cy="6858000"/>
   <p:notesSz cx="6858000" cy="9144000"/>
@@ -245,7 +246,7 @@
           <a:p>
             <a:fld id="{63A1C593-65D0-4073-BCC9-577B9352EA97}" type="datetimeFigureOut">
               <a:rPr lang="en-US" smtClean="0"/>
-              <a:t>9/3/2016</a:t>
+              <a:t>9/17/2016</a:t>
             </a:fld>
             <a:endParaRPr lang="en-US"/>
           </a:p>
@@ -410,7 +411,7 @@
           <a:p>
             <a:fld id="{63A1C593-65D0-4073-BCC9-577B9352EA97}" type="datetimeFigureOut">
               <a:rPr lang="en-US" smtClean="0"/>
-              <a:t>9/3/2016</a:t>
+              <a:t>9/17/2016</a:t>
             </a:fld>
             <a:endParaRPr lang="en-US"/>
           </a:p>
@@ -585,7 +586,7 @@
           <a:p>
             <a:fld id="{63A1C593-65D0-4073-BCC9-577B9352EA97}" type="datetimeFigureOut">
               <a:rPr lang="en-US" smtClean="0"/>
-              <a:t>9/3/2016</a:t>
+              <a:t>9/17/2016</a:t>
             </a:fld>
             <a:endParaRPr lang="en-US"/>
           </a:p>
@@ -750,7 +751,7 @@
           <a:p>
             <a:fld id="{63A1C593-65D0-4073-BCC9-577B9352EA97}" type="datetimeFigureOut">
               <a:rPr lang="en-US" smtClean="0"/>
-              <a:t>9/3/2016</a:t>
+              <a:t>9/17/2016</a:t>
             </a:fld>
             <a:endParaRPr lang="en-US"/>
           </a:p>
@@ -991,7 +992,7 @@
           <a:p>
             <a:fld id="{63A1C593-65D0-4073-BCC9-577B9352EA97}" type="datetimeFigureOut">
               <a:rPr lang="en-US" smtClean="0"/>
-              <a:t>9/3/2016</a:t>
+              <a:t>9/17/2016</a:t>
             </a:fld>
             <a:endParaRPr lang="en-US"/>
           </a:p>
@@ -1218,7 +1219,7 @@
           <a:p>
             <a:fld id="{63A1C593-65D0-4073-BCC9-577B9352EA97}" type="datetimeFigureOut">
               <a:rPr lang="en-US" smtClean="0"/>
-              <a:t>9/3/2016</a:t>
+              <a:t>9/17/2016</a:t>
             </a:fld>
             <a:endParaRPr lang="en-US"/>
           </a:p>
@@ -1580,7 +1581,7 @@
           <a:p>
             <a:fld id="{63A1C593-65D0-4073-BCC9-577B9352EA97}" type="datetimeFigureOut">
               <a:rPr lang="en-US" smtClean="0"/>
-              <a:t>9/3/2016</a:t>
+              <a:t>9/17/2016</a:t>
             </a:fld>
             <a:endParaRPr lang="en-US"/>
           </a:p>
@@ -1693,7 +1694,7 @@
           <a:p>
             <a:fld id="{63A1C593-65D0-4073-BCC9-577B9352EA97}" type="datetimeFigureOut">
               <a:rPr lang="en-US" smtClean="0"/>
-              <a:t>9/3/2016</a:t>
+              <a:t>9/17/2016</a:t>
             </a:fld>
             <a:endParaRPr lang="en-US"/>
           </a:p>
@@ -1783,7 +1784,7 @@
           <a:p>
             <a:fld id="{63A1C593-65D0-4073-BCC9-577B9352EA97}" type="datetimeFigureOut">
               <a:rPr lang="en-US" smtClean="0"/>
-              <a:t>9/3/2016</a:t>
+              <a:t>9/17/2016</a:t>
             </a:fld>
             <a:endParaRPr lang="en-US"/>
           </a:p>
@@ -2055,7 +2056,7 @@
           <a:p>
             <a:fld id="{63A1C593-65D0-4073-BCC9-577B9352EA97}" type="datetimeFigureOut">
               <a:rPr lang="en-US" smtClean="0"/>
-              <a:t>9/3/2016</a:t>
+              <a:t>9/17/2016</a:t>
             </a:fld>
             <a:endParaRPr lang="en-US"/>
           </a:p>
@@ -2303,7 +2304,7 @@
           <a:p>
             <a:fld id="{63A1C593-65D0-4073-BCC9-577B9352EA97}" type="datetimeFigureOut">
               <a:rPr lang="en-US" smtClean="0"/>
-              <a:t>9/3/2016</a:t>
+              <a:t>9/17/2016</a:t>
             </a:fld>
             <a:endParaRPr lang="en-US"/>
           </a:p>
@@ -2511,7 +2512,7 @@
           <a:p>
             <a:fld id="{63A1C593-65D0-4073-BCC9-577B9352EA97}" type="datetimeFigureOut">
               <a:rPr lang="en-US" smtClean="0"/>
-              <a:t>9/3/2016</a:t>
+              <a:t>9/17/2016</a:t>
             </a:fld>
             <a:endParaRPr lang="en-US"/>
           </a:p>
@@ -2933,25 +2934,6 @@
           </a:p>
         </p:txBody>
       </p:sp>
-      <p:sp>
-        <p:nvSpPr>
-          <p:cNvPr id="3" name="Subtitle 2"/>
-          <p:cNvSpPr>
-            <a:spLocks noGrp="1"/>
-          </p:cNvSpPr>
-          <p:nvPr>
-            <p:ph type="subTitle" idx="1"/>
-          </p:nvPr>
-        </p:nvSpPr>
-        <p:spPr/>
-        <p:txBody>
-          <a:bodyPr/>
-          <a:lstStyle/>
-          <a:p>
-            <a:endParaRPr lang="en-US"/>
-          </a:p>
-        </p:txBody>
-      </p:sp>
     </p:spTree>
   </p:cSld>
   <p:clrMapOvr>
@@ -2979,38 +2961,40 @@
       </p:grpSpPr>
       <p:sp>
         <p:nvSpPr>
-          <p:cNvPr id="2" name="Title 1"/>
-          <p:cNvSpPr>
-            <a:spLocks noGrp="1"/>
-          </p:cNvSpPr>
-          <p:nvPr>
-            <p:ph type="title"/>
-          </p:nvPr>
-        </p:nvSpPr>
-        <p:spPr/>
-        <p:txBody>
-          <a:bodyPr/>
-          <a:lstStyle/>
-          <a:p>
-            <a:endParaRPr lang="en-US"/>
-          </a:p>
-        </p:txBody>
-      </p:sp>
-      <p:sp>
-        <p:nvSpPr>
-          <p:cNvPr id="3" name="Content Placeholder 2"/>
-          <p:cNvSpPr>
-            <a:spLocks noGrp="1"/>
-          </p:cNvSpPr>
-          <p:nvPr>
-            <p:ph idx="1"/>
-          </p:nvPr>
-        </p:nvSpPr>
-        <p:spPr/>
-        <p:txBody>
-          <a:bodyPr/>
-          <a:lstStyle/>
-          <a:p>
+          <p:cNvPr id="4" name="Rectangle 3"/>
+          <p:cNvSpPr/>
+          <p:nvPr/>
+        </p:nvSpPr>
+        <p:spPr>
+          <a:xfrm>
+            <a:off x="1429555" y="798490"/>
+            <a:ext cx="193183" cy="167425"/>
+          </a:xfrm>
+          <a:prstGeom prst="rect">
+            <a:avLst/>
+          </a:prstGeom>
+        </p:spPr>
+        <p:style>
+          <a:lnRef idx="2">
+            <a:schemeClr val="accent1">
+              <a:shade val="50000"/>
+            </a:schemeClr>
+          </a:lnRef>
+          <a:fillRef idx="1">
+            <a:schemeClr val="accent1"/>
+          </a:fillRef>
+          <a:effectRef idx="0">
+            <a:schemeClr val="accent1"/>
+          </a:effectRef>
+          <a:fontRef idx="minor">
+            <a:schemeClr val="lt1"/>
+          </a:fontRef>
+        </p:style>
+        <p:txBody>
+          <a:bodyPr rtlCol="0" anchor="ctr"/>
+          <a:lstStyle/>
+          <a:p>
+            <a:pPr algn="ctr"/>
             <a:endParaRPr lang="en-US"/>
           </a:p>
         </p:txBody>
@@ -3083,13 +3067,8 @@
             </a:pPr>
             <a:r>
               <a:rPr lang="en-US" dirty="0"/>
-              <a:t>A presentation is not a document nor a teleprompter; hence, don’t try to stuff all the information in words. If a slide contains a lot of text, your audience will try to read the text and will not bother what you are speaking. </a:t>
-            </a:r>
-            <a:r>
-              <a:rPr lang="en-US"/>
-              <a:t>Slides are for defining the flow and providing visual information such as images and videos; thus, use it in the spirit and not otherwise.</a:t>
-            </a:r>
-            <a:endParaRPr lang="en-US"/>
+              <a:t>A presentation is not a document nor a teleprompter; hence, don’t try to stuff all the information in words. If a slide contains a lot of text, your audience will try to read the text and will not bother what you are speaking. Slides are for defining the flow and providing visual information such as images and videos; thus, use it in the spirit and not otherwise.</a:t>
+            </a:r>
           </a:p>
         </p:txBody>
       </p:sp>
@@ -3097,6 +3076,61 @@
     <p:extLst>
       <p:ext uri="{BB962C8B-B14F-4D97-AF65-F5344CB8AC3E}">
         <p14:creationId xmlns:p14="http://schemas.microsoft.com/office/powerpoint/2010/main" val="58972029"/>
+      </p:ext>
+    </p:extLst>
+  </p:cSld>
+  <p:clrMapOvr>
+    <a:masterClrMapping/>
+  </p:clrMapOvr>
+</p:sld>
+</file>
+
+<file path=ppt/slides/slide4.xml><?xml version="1.0" encoding="utf-8"?>
+<p:sld xmlns:a="http://schemas.openxmlformats.org/drawingml/2006/main" xmlns:r="http://schemas.openxmlformats.org/officeDocument/2006/relationships" xmlns:p="http://schemas.openxmlformats.org/presentationml/2006/main">
+  <p:cSld>
+    <p:spTree>
+      <p:nvGrpSpPr>
+        <p:cNvPr id="1" name=""/>
+        <p:cNvGrpSpPr/>
+        <p:nvPr/>
+      </p:nvGrpSpPr>
+      <p:grpSpPr>
+        <a:xfrm>
+          <a:off x="0" y="0"/>
+          <a:ext cx="0" cy="0"/>
+          <a:chOff x="0" y="0"/>
+          <a:chExt cx="0" cy="0"/>
+        </a:xfrm>
+      </p:grpSpPr>
+      <p:sp>
+        <p:nvSpPr>
+          <p:cNvPr id="2" name="Title 1"/>
+          <p:cNvSpPr>
+            <a:spLocks noGrp="1"/>
+          </p:cNvSpPr>
+          <p:nvPr>
+            <p:ph type="title"/>
+          </p:nvPr>
+        </p:nvSpPr>
+        <p:spPr/>
+        <p:txBody>
+          <a:bodyPr>
+            <a:normAutofit/>
+          </a:bodyPr>
+          <a:lstStyle/>
+          <a:p>
+            <a:r>
+              <a:rPr lang="en-US" sz="1400" dirty="0" smtClean="0"/>
+              <a:t>Hay Back Bencher can you see this.</a:t>
+            </a:r>
+            <a:endParaRPr lang="en-US" sz="1400" dirty="0"/>
+          </a:p>
+        </p:txBody>
+      </p:sp>
+    </p:spTree>
+    <p:extLst>
+      <p:ext uri="{BB962C8B-B14F-4D97-AF65-F5344CB8AC3E}">
+        <p14:creationId xmlns:p14="http://schemas.microsoft.com/office/powerpoint/2010/main" val="858684902"/>
       </p:ext>
     </p:extLst>
   </p:cSld>

--- a/SlideQTests/TestFile/SlideQTestCount.pptx
+++ b/SlideQTests/TestFile/SlideQTestCount.pptx
@@ -246,7 +246,7 @@
           <a:p>
             <a:fld id="{63A1C593-65D0-4073-BCC9-577B9352EA97}" type="datetimeFigureOut">
               <a:rPr lang="en-US" smtClean="0"/>
-              <a:t>9/17/2016</a:t>
+              <a:t>2016/09/27</a:t>
             </a:fld>
             <a:endParaRPr lang="en-US"/>
           </a:p>
@@ -411,7 +411,7 @@
           <a:p>
             <a:fld id="{63A1C593-65D0-4073-BCC9-577B9352EA97}" type="datetimeFigureOut">
               <a:rPr lang="en-US" smtClean="0"/>
-              <a:t>9/17/2016</a:t>
+              <a:t>2016/09/27</a:t>
             </a:fld>
             <a:endParaRPr lang="en-US"/>
           </a:p>
@@ -586,7 +586,7 @@
           <a:p>
             <a:fld id="{63A1C593-65D0-4073-BCC9-577B9352EA97}" type="datetimeFigureOut">
               <a:rPr lang="en-US" smtClean="0"/>
-              <a:t>9/17/2016</a:t>
+              <a:t>2016/09/27</a:t>
             </a:fld>
             <a:endParaRPr lang="en-US"/>
           </a:p>
@@ -751,7 +751,7 @@
           <a:p>
             <a:fld id="{63A1C593-65D0-4073-BCC9-577B9352EA97}" type="datetimeFigureOut">
               <a:rPr lang="en-US" smtClean="0"/>
-              <a:t>9/17/2016</a:t>
+              <a:t>2016/09/27</a:t>
             </a:fld>
             <a:endParaRPr lang="en-US"/>
           </a:p>
@@ -992,7 +992,7 @@
           <a:p>
             <a:fld id="{63A1C593-65D0-4073-BCC9-577B9352EA97}" type="datetimeFigureOut">
               <a:rPr lang="en-US" smtClean="0"/>
-              <a:t>9/17/2016</a:t>
+              <a:t>2016/09/27</a:t>
             </a:fld>
             <a:endParaRPr lang="en-US"/>
           </a:p>
@@ -1219,7 +1219,7 @@
           <a:p>
             <a:fld id="{63A1C593-65D0-4073-BCC9-577B9352EA97}" type="datetimeFigureOut">
               <a:rPr lang="en-US" smtClean="0"/>
-              <a:t>9/17/2016</a:t>
+              <a:t>2016/09/27</a:t>
             </a:fld>
             <a:endParaRPr lang="en-US"/>
           </a:p>
@@ -1581,7 +1581,7 @@
           <a:p>
             <a:fld id="{63A1C593-65D0-4073-BCC9-577B9352EA97}" type="datetimeFigureOut">
               <a:rPr lang="en-US" smtClean="0"/>
-              <a:t>9/17/2016</a:t>
+              <a:t>2016/09/27</a:t>
             </a:fld>
             <a:endParaRPr lang="en-US"/>
           </a:p>
@@ -1694,7 +1694,7 @@
           <a:p>
             <a:fld id="{63A1C593-65D0-4073-BCC9-577B9352EA97}" type="datetimeFigureOut">
               <a:rPr lang="en-US" smtClean="0"/>
-              <a:t>9/17/2016</a:t>
+              <a:t>2016/09/27</a:t>
             </a:fld>
             <a:endParaRPr lang="en-US"/>
           </a:p>
@@ -1784,7 +1784,7 @@
           <a:p>
             <a:fld id="{63A1C593-65D0-4073-BCC9-577B9352EA97}" type="datetimeFigureOut">
               <a:rPr lang="en-US" smtClean="0"/>
-              <a:t>9/17/2016</a:t>
+              <a:t>2016/09/27</a:t>
             </a:fld>
             <a:endParaRPr lang="en-US"/>
           </a:p>
@@ -2056,7 +2056,7 @@
           <a:p>
             <a:fld id="{63A1C593-65D0-4073-BCC9-577B9352EA97}" type="datetimeFigureOut">
               <a:rPr lang="en-US" smtClean="0"/>
-              <a:t>9/17/2016</a:t>
+              <a:t>2016/09/27</a:t>
             </a:fld>
             <a:endParaRPr lang="en-US"/>
           </a:p>
@@ -2304,7 +2304,7 @@
           <a:p>
             <a:fld id="{63A1C593-65D0-4073-BCC9-577B9352EA97}" type="datetimeFigureOut">
               <a:rPr lang="en-US" smtClean="0"/>
-              <a:t>9/17/2016</a:t>
+              <a:t>2016/09/27</a:t>
             </a:fld>
             <a:endParaRPr lang="en-US"/>
           </a:p>
@@ -2512,7 +2512,7 @@
           <a:p>
             <a:fld id="{63A1C593-65D0-4073-BCC9-577B9352EA97}" type="datetimeFigureOut">
               <a:rPr lang="en-US" smtClean="0"/>
-              <a:t>9/17/2016</a:t>
+              <a:t>2016/09/27</a:t>
             </a:fld>
             <a:endParaRPr lang="en-US"/>
           </a:p>
@@ -3120,8 +3120,48 @@
           <a:lstStyle/>
           <a:p>
             <a:r>
+              <a:rPr lang="en-US" sz="1400" dirty="0" smtClean="0">
+                <a:solidFill>
+                  <a:schemeClr val="tx2">
+                    <a:lumMod val="60000"/>
+                    <a:lumOff val="40000"/>
+                  </a:schemeClr>
+                </a:solidFill>
+              </a:rPr>
+              <a:t>Hay</a:t>
+            </a:r>
+            <a:r>
               <a:rPr lang="en-US" sz="1400" dirty="0" smtClean="0"/>
-              <a:t>Hay Back Bencher can you see this.</a:t>
+              <a:t> Back </a:t>
+            </a:r>
+            <a:r>
+              <a:rPr lang="en-US" sz="1400" dirty="0" smtClean="0">
+                <a:solidFill>
+                  <a:schemeClr val="accent2">
+                    <a:lumMod val="60000"/>
+                    <a:lumOff val="40000"/>
+                  </a:schemeClr>
+                </a:solidFill>
+              </a:rPr>
+              <a:t>Bencher</a:t>
+            </a:r>
+            <a:r>
+              <a:rPr lang="en-US" sz="1400" dirty="0" smtClean="0"/>
+              <a:t> can you </a:t>
+            </a:r>
+            <a:r>
+              <a:rPr lang="en-US" sz="1400" dirty="0" smtClean="0">
+                <a:solidFill>
+                  <a:schemeClr val="accent5">
+                    <a:lumMod val="75000"/>
+                  </a:schemeClr>
+                </a:solidFill>
+              </a:rPr>
+              <a:t>see</a:t>
+            </a:r>
+            <a:r>
+              <a:rPr lang="en-US" sz="1400" dirty="0" smtClean="0"/>
+              <a:t> this.</a:t>
             </a:r>
             <a:endParaRPr lang="en-US" sz="1400" dirty="0"/>
           </a:p>

--- a/SlideQTests/TestFile/SlideQTestCount.pptx
+++ b/SlideQTests/TestFile/SlideQTestCount.pptx
@@ -246,7 +246,7 @@
           <a:p>
             <a:fld id="{63A1C593-65D0-4073-BCC9-577B9352EA97}" type="datetimeFigureOut">
               <a:rPr lang="en-US" smtClean="0"/>
-              <a:t>2016/09/27</a:t>
+              <a:t>2016/10/08</a:t>
             </a:fld>
             <a:endParaRPr lang="en-US"/>
           </a:p>
@@ -411,7 +411,7 @@
           <a:p>
             <a:fld id="{63A1C593-65D0-4073-BCC9-577B9352EA97}" type="datetimeFigureOut">
               <a:rPr lang="en-US" smtClean="0"/>
-              <a:t>2016/09/27</a:t>
+              <a:t>2016/10/08</a:t>
             </a:fld>
             <a:endParaRPr lang="en-US"/>
           </a:p>
@@ -586,7 +586,7 @@
           <a:p>
             <a:fld id="{63A1C593-65D0-4073-BCC9-577B9352EA97}" type="datetimeFigureOut">
               <a:rPr lang="en-US" smtClean="0"/>
-              <a:t>2016/09/27</a:t>
+              <a:t>2016/10/08</a:t>
             </a:fld>
             <a:endParaRPr lang="en-US"/>
           </a:p>
@@ -751,7 +751,7 @@
           <a:p>
             <a:fld id="{63A1C593-65D0-4073-BCC9-577B9352EA97}" type="datetimeFigureOut">
               <a:rPr lang="en-US" smtClean="0"/>
-              <a:t>2016/09/27</a:t>
+              <a:t>2016/10/08</a:t>
             </a:fld>
             <a:endParaRPr lang="en-US"/>
           </a:p>
@@ -992,7 +992,7 @@
           <a:p>
             <a:fld id="{63A1C593-65D0-4073-BCC9-577B9352EA97}" type="datetimeFigureOut">
               <a:rPr lang="en-US" smtClean="0"/>
-              <a:t>2016/09/27</a:t>
+              <a:t>2016/10/08</a:t>
             </a:fld>
             <a:endParaRPr lang="en-US"/>
           </a:p>
@@ -1219,7 +1219,7 @@
           <a:p>
             <a:fld id="{63A1C593-65D0-4073-BCC9-577B9352EA97}" type="datetimeFigureOut">
               <a:rPr lang="en-US" smtClean="0"/>
-              <a:t>2016/09/27</a:t>
+              <a:t>2016/10/08</a:t>
             </a:fld>
             <a:endParaRPr lang="en-US"/>
           </a:p>
@@ -1581,7 +1581,7 @@
           <a:p>
             <a:fld id="{63A1C593-65D0-4073-BCC9-577B9352EA97}" type="datetimeFigureOut">
               <a:rPr lang="en-US" smtClean="0"/>
-              <a:t>2016/09/27</a:t>
+              <a:t>2016/10/08</a:t>
             </a:fld>
             <a:endParaRPr lang="en-US"/>
           </a:p>
@@ -1694,7 +1694,7 @@
           <a:p>
             <a:fld id="{63A1C593-65D0-4073-BCC9-577B9352EA97}" type="datetimeFigureOut">
               <a:rPr lang="en-US" smtClean="0"/>
-              <a:t>2016/09/27</a:t>
+              <a:t>2016/10/08</a:t>
             </a:fld>
             <a:endParaRPr lang="en-US"/>
           </a:p>
@@ -1784,7 +1784,7 @@
           <a:p>
             <a:fld id="{63A1C593-65D0-4073-BCC9-577B9352EA97}" type="datetimeFigureOut">
               <a:rPr lang="en-US" smtClean="0"/>
-              <a:t>2016/09/27</a:t>
+              <a:t>2016/10/08</a:t>
             </a:fld>
             <a:endParaRPr lang="en-US"/>
           </a:p>
@@ -2056,7 +2056,7 @@
           <a:p>
             <a:fld id="{63A1C593-65D0-4073-BCC9-577B9352EA97}" type="datetimeFigureOut">
               <a:rPr lang="en-US" smtClean="0"/>
-              <a:t>2016/09/27</a:t>
+              <a:t>2016/10/08</a:t>
             </a:fld>
             <a:endParaRPr lang="en-US"/>
           </a:p>
@@ -2304,7 +2304,7 @@
           <a:p>
             <a:fld id="{63A1C593-65D0-4073-BCC9-577B9352EA97}" type="datetimeFigureOut">
               <a:rPr lang="en-US" smtClean="0"/>
-              <a:t>2016/09/27</a:t>
+              <a:t>2016/10/08</a:t>
             </a:fld>
             <a:endParaRPr lang="en-US"/>
           </a:p>
@@ -2512,7 +2512,7 @@
           <a:p>
             <a:fld id="{63A1C593-65D0-4073-BCC9-577B9352EA97}" type="datetimeFigureOut">
               <a:rPr lang="en-US" smtClean="0"/>
-              <a:t>2016/09/27</a:t>
+              <a:t>2016/10/08</a:t>
             </a:fld>
             <a:endParaRPr lang="en-US"/>
           </a:p>
@@ -2999,11 +2999,315 @@
           </a:p>
         </p:txBody>
       </p:sp>
+      <p:sp>
+        <p:nvSpPr>
+          <p:cNvPr id="2" name="Oval 1"/>
+          <p:cNvSpPr/>
+          <p:nvPr/>
+        </p:nvSpPr>
+        <p:spPr>
+          <a:xfrm>
+            <a:off x="4906851" y="2202287"/>
+            <a:ext cx="4456090" cy="1957589"/>
+          </a:xfrm>
+          <a:prstGeom prst="ellipse">
+            <a:avLst/>
+          </a:prstGeom>
+        </p:spPr>
+        <p:style>
+          <a:lnRef idx="2">
+            <a:schemeClr val="accent1">
+              <a:shade val="50000"/>
+            </a:schemeClr>
+          </a:lnRef>
+          <a:fillRef idx="1">
+            <a:schemeClr val="accent1"/>
+          </a:fillRef>
+          <a:effectRef idx="0">
+            <a:schemeClr val="accent1"/>
+          </a:effectRef>
+          <a:fontRef idx="minor">
+            <a:schemeClr val="lt1"/>
+          </a:fontRef>
+        </p:style>
+        <p:txBody>
+          <a:bodyPr rtlCol="0" anchor="ctr"/>
+          <a:lstStyle/>
+          <a:p>
+            <a:pPr algn="ctr"/>
+            <a:endParaRPr lang="en-US"/>
+          </a:p>
+        </p:txBody>
+      </p:sp>
+      <p:sp>
+        <p:nvSpPr>
+          <p:cNvPr id="3" name="Snip Single Corner Rectangle 2"/>
+          <p:cNvSpPr/>
+          <p:nvPr/>
+        </p:nvSpPr>
+        <p:spPr>
+          <a:xfrm>
+            <a:off x="1429555" y="2665927"/>
+            <a:ext cx="2511380" cy="3155324"/>
+          </a:xfrm>
+          <a:prstGeom prst="snip1Rect">
+            <a:avLst/>
+          </a:prstGeom>
+        </p:spPr>
+        <p:style>
+          <a:lnRef idx="2">
+            <a:schemeClr val="accent1">
+              <a:shade val="50000"/>
+            </a:schemeClr>
+          </a:lnRef>
+          <a:fillRef idx="1">
+            <a:schemeClr val="accent1"/>
+          </a:fillRef>
+          <a:effectRef idx="0">
+            <a:schemeClr val="accent1"/>
+          </a:effectRef>
+          <a:fontRef idx="minor">
+            <a:schemeClr val="lt1"/>
+          </a:fontRef>
+        </p:style>
+        <p:txBody>
+          <a:bodyPr rtlCol="0" anchor="ctr"/>
+          <a:lstStyle/>
+          <a:p>
+            <a:pPr algn="ctr"/>
+            <a:endParaRPr lang="en-US"/>
+          </a:p>
+        </p:txBody>
+      </p:sp>
     </p:spTree>
   </p:cSld>
   <p:clrMapOvr>
     <a:masterClrMapping/>
   </p:clrMapOvr>
+  <p:timing>
+    <p:tnLst>
+      <p:par>
+        <p:cTn id="1" dur="indefinite" restart="never" nodeType="tmRoot">
+          <p:childTnLst>
+            <p:seq concurrent="1" nextAc="seek">
+              <p:cTn id="2" dur="indefinite" nodeType="mainSeq">
+                <p:childTnLst>
+                  <p:par>
+                    <p:cTn id="3" fill="hold">
+                      <p:stCondLst>
+                        <p:cond delay="indefinite"/>
+                      </p:stCondLst>
+                      <p:childTnLst>
+                        <p:par>
+                          <p:cTn id="4" fill="hold">
+                            <p:stCondLst>
+                              <p:cond delay="0"/>
+                            </p:stCondLst>
+                            <p:childTnLst>
+                              <p:par>
+                                <p:cTn id="5" presetID="1" presetClass="entr" presetSubtype="0" fill="hold" grpId="0" nodeType="clickEffect">
+                                  <p:stCondLst>
+                                    <p:cond delay="0"/>
+                                  </p:stCondLst>
+                                  <p:childTnLst>
+                                    <p:set>
+                                      <p:cBhvr>
+                                        <p:cTn id="6" dur="1" fill="hold">
+                                          <p:stCondLst>
+                                            <p:cond delay="0"/>
+                                          </p:stCondLst>
+                                        </p:cTn>
+                                        <p:tgtEl>
+                                          <p:spTgt spid="4"/>
+                                        </p:tgtEl>
+                                        <p:attrNameLst>
+                                          <p:attrName>style.visibility</p:attrName>
+                                        </p:attrNameLst>
+                                      </p:cBhvr>
+                                      <p:to>
+                                        <p:strVal val="visible"/>
+                                      </p:to>
+                                    </p:set>
+                                  </p:childTnLst>
+                                </p:cTn>
+                              </p:par>
+                            </p:childTnLst>
+                          </p:cTn>
+                        </p:par>
+                      </p:childTnLst>
+                    </p:cTn>
+                  </p:par>
+                  <p:par>
+                    <p:cTn id="7" fill="hold">
+                      <p:stCondLst>
+                        <p:cond delay="indefinite"/>
+                      </p:stCondLst>
+                      <p:childTnLst>
+                        <p:par>
+                          <p:cTn id="8" fill="hold">
+                            <p:stCondLst>
+                              <p:cond delay="0"/>
+                            </p:stCondLst>
+                            <p:childTnLst>
+                              <p:par>
+                                <p:cTn id="9" presetID="2" presetClass="entr" presetSubtype="4" fill="hold" grpId="0" nodeType="clickEffect">
+                                  <p:stCondLst>
+                                    <p:cond delay="0"/>
+                                  </p:stCondLst>
+                                  <p:childTnLst>
+                                    <p:set>
+                                      <p:cBhvr>
+                                        <p:cTn id="10" dur="1" fill="hold">
+                                          <p:stCondLst>
+                                            <p:cond delay="0"/>
+                                          </p:stCondLst>
+                                        </p:cTn>
+                                        <p:tgtEl>
+                                          <p:spTgt spid="2"/>
+                                        </p:tgtEl>
+                                        <p:attrNameLst>
+                                          <p:attrName>style.visibility</p:attrName>
+                                        </p:attrNameLst>
+                                      </p:cBhvr>
+                                      <p:to>
+                                        <p:strVal val="visible"/>
+                                      </p:to>
+                                    </p:set>
+                                    <p:anim calcmode="lin" valueType="num">
+                                      <p:cBhvr additive="base">
+                                        <p:cTn id="11" dur="500" fill="hold"/>
+                                        <p:tgtEl>
+                                          <p:spTgt spid="2"/>
+                                        </p:tgtEl>
+                                        <p:attrNameLst>
+                                          <p:attrName>ppt_x</p:attrName>
+                                        </p:attrNameLst>
+                                      </p:cBhvr>
+                                      <p:tavLst>
+                                        <p:tav tm="0">
+                                          <p:val>
+                                            <p:strVal val="#ppt_x"/>
+                                          </p:val>
+                                        </p:tav>
+                                        <p:tav tm="100000">
+                                          <p:val>
+                                            <p:strVal val="#ppt_x"/>
+                                          </p:val>
+                                        </p:tav>
+                                      </p:tavLst>
+                                    </p:anim>
+                                    <p:anim calcmode="lin" valueType="num">
+                                      <p:cBhvr additive="base">
+                                        <p:cTn id="12" dur="500" fill="hold"/>
+                                        <p:tgtEl>
+                                          <p:spTgt spid="2"/>
+                                        </p:tgtEl>
+                                        <p:attrNameLst>
+                                          <p:attrName>ppt_y</p:attrName>
+                                        </p:attrNameLst>
+                                      </p:cBhvr>
+                                      <p:tavLst>
+                                        <p:tav tm="0">
+                                          <p:val>
+                                            <p:strVal val="1+#ppt_h/2"/>
+                                          </p:val>
+                                        </p:tav>
+                                        <p:tav tm="100000">
+                                          <p:val>
+                                            <p:strVal val="#ppt_y"/>
+                                          </p:val>
+                                        </p:tav>
+                                      </p:tavLst>
+                                    </p:anim>
+                                  </p:childTnLst>
+                                </p:cTn>
+                              </p:par>
+                            </p:childTnLst>
+                          </p:cTn>
+                        </p:par>
+                      </p:childTnLst>
+                    </p:cTn>
+                  </p:par>
+                  <p:par>
+                    <p:cTn id="13" fill="hold">
+                      <p:stCondLst>
+                        <p:cond delay="indefinite"/>
+                      </p:stCondLst>
+                      <p:childTnLst>
+                        <p:par>
+                          <p:cTn id="14" fill="hold">
+                            <p:stCondLst>
+                              <p:cond delay="0"/>
+                            </p:stCondLst>
+                            <p:childTnLst>
+                              <p:par>
+                                <p:cTn id="15" presetID="22" presetClass="entr" presetSubtype="4" fill="hold" grpId="0" nodeType="clickEffect">
+                                  <p:stCondLst>
+                                    <p:cond delay="0"/>
+                                  </p:stCondLst>
+                                  <p:childTnLst>
+                                    <p:set>
+                                      <p:cBhvr>
+                                        <p:cTn id="16" dur="1" fill="hold">
+                                          <p:stCondLst>
+                                            <p:cond delay="0"/>
+                                          </p:stCondLst>
+                                        </p:cTn>
+                                        <p:tgtEl>
+                                          <p:spTgt spid="3"/>
+                                        </p:tgtEl>
+                                        <p:attrNameLst>
+                                          <p:attrName>style.visibility</p:attrName>
+                                        </p:attrNameLst>
+                                      </p:cBhvr>
+                                      <p:to>
+                                        <p:strVal val="visible"/>
+                                      </p:to>
+                                    </p:set>
+                                    <p:animEffect transition="in" filter="wipe(down)">
+                                      <p:cBhvr>
+                                        <p:cTn id="17" dur="500"/>
+                                        <p:tgtEl>
+                                          <p:spTgt spid="3"/>
+                                        </p:tgtEl>
+                                      </p:cBhvr>
+                                    </p:animEffect>
+                                  </p:childTnLst>
+                                </p:cTn>
+                              </p:par>
+                            </p:childTnLst>
+                          </p:cTn>
+                        </p:par>
+                      </p:childTnLst>
+                    </p:cTn>
+                  </p:par>
+                </p:childTnLst>
+              </p:cTn>
+              <p:prevCondLst>
+                <p:cond evt="onPrev" delay="0">
+                  <p:tgtEl>
+                    <p:sldTgt/>
+                  </p:tgtEl>
+                </p:cond>
+              </p:prevCondLst>
+              <p:nextCondLst>
+                <p:cond evt="onNext" delay="0">
+                  <p:tgtEl>
+                    <p:sldTgt/>
+                  </p:tgtEl>
+                </p:cond>
+              </p:nextCondLst>
+            </p:seq>
+          </p:childTnLst>
+        </p:cTn>
+      </p:par>
+    </p:tnLst>
+    <p:bldLst>
+      <p:bldP spid="4" grpId="0" animBg="1"/>
+      <p:bldP spid="2" grpId="0" animBg="1"/>
+      <p:bldP spid="3" grpId="0" animBg="1"/>
+    </p:bldLst>
+  </p:timing>
 </p:sld>
 </file>
 

--- a/SlideQTests/TestFile/SlideQTestCount.pptx
+++ b/SlideQTests/TestFile/SlideQTestCount.pptx
@@ -246,7 +246,7 @@
           <a:p>
             <a:fld id="{63A1C593-65D0-4073-BCC9-577B9352EA97}" type="datetimeFigureOut">
               <a:rPr lang="en-US" smtClean="0"/>
-              <a:t>2016/10/08</a:t>
+              <a:t>2016/10/11</a:t>
             </a:fld>
             <a:endParaRPr lang="en-US"/>
           </a:p>
@@ -411,7 +411,7 @@
           <a:p>
             <a:fld id="{63A1C593-65D0-4073-BCC9-577B9352EA97}" type="datetimeFigureOut">
               <a:rPr lang="en-US" smtClean="0"/>
-              <a:t>2016/10/08</a:t>
+              <a:t>2016/10/11</a:t>
             </a:fld>
             <a:endParaRPr lang="en-US"/>
           </a:p>
@@ -586,7 +586,7 @@
           <a:p>
             <a:fld id="{63A1C593-65D0-4073-BCC9-577B9352EA97}" type="datetimeFigureOut">
               <a:rPr lang="en-US" smtClean="0"/>
-              <a:t>2016/10/08</a:t>
+              <a:t>2016/10/11</a:t>
             </a:fld>
             <a:endParaRPr lang="en-US"/>
           </a:p>
@@ -751,7 +751,7 @@
           <a:p>
             <a:fld id="{63A1C593-65D0-4073-BCC9-577B9352EA97}" type="datetimeFigureOut">
               <a:rPr lang="en-US" smtClean="0"/>
-              <a:t>2016/10/08</a:t>
+              <a:t>2016/10/11</a:t>
             </a:fld>
             <a:endParaRPr lang="en-US"/>
           </a:p>
@@ -992,7 +992,7 @@
           <a:p>
             <a:fld id="{63A1C593-65D0-4073-BCC9-577B9352EA97}" type="datetimeFigureOut">
               <a:rPr lang="en-US" smtClean="0"/>
-              <a:t>2016/10/08</a:t>
+              <a:t>2016/10/11</a:t>
             </a:fld>
             <a:endParaRPr lang="en-US"/>
           </a:p>
@@ -1219,7 +1219,7 @@
           <a:p>
             <a:fld id="{63A1C593-65D0-4073-BCC9-577B9352EA97}" type="datetimeFigureOut">
               <a:rPr lang="en-US" smtClean="0"/>
-              <a:t>2016/10/08</a:t>
+              <a:t>2016/10/11</a:t>
             </a:fld>
             <a:endParaRPr lang="en-US"/>
           </a:p>
@@ -1581,7 +1581,7 @@
           <a:p>
             <a:fld id="{63A1C593-65D0-4073-BCC9-577B9352EA97}" type="datetimeFigureOut">
               <a:rPr lang="en-US" smtClean="0"/>
-              <a:t>2016/10/08</a:t>
+              <a:t>2016/10/11</a:t>
             </a:fld>
             <a:endParaRPr lang="en-US"/>
           </a:p>
@@ -1694,7 +1694,7 @@
           <a:p>
             <a:fld id="{63A1C593-65D0-4073-BCC9-577B9352EA97}" type="datetimeFigureOut">
               <a:rPr lang="en-US" smtClean="0"/>
-              <a:t>2016/10/08</a:t>
+              <a:t>2016/10/11</a:t>
             </a:fld>
             <a:endParaRPr lang="en-US"/>
           </a:p>
@@ -1784,7 +1784,7 @@
           <a:p>
             <a:fld id="{63A1C593-65D0-4073-BCC9-577B9352EA97}" type="datetimeFigureOut">
               <a:rPr lang="en-US" smtClean="0"/>
-              <a:t>2016/10/08</a:t>
+              <a:t>2016/10/11</a:t>
             </a:fld>
             <a:endParaRPr lang="en-US"/>
           </a:p>
@@ -2056,7 +2056,7 @@
           <a:p>
             <a:fld id="{63A1C593-65D0-4073-BCC9-577B9352EA97}" type="datetimeFigureOut">
               <a:rPr lang="en-US" smtClean="0"/>
-              <a:t>2016/10/08</a:t>
+              <a:t>2016/10/11</a:t>
             </a:fld>
             <a:endParaRPr lang="en-US"/>
           </a:p>
@@ -2304,7 +2304,7 @@
           <a:p>
             <a:fld id="{63A1C593-65D0-4073-BCC9-577B9352EA97}" type="datetimeFigureOut">
               <a:rPr lang="en-US" smtClean="0"/>
-              <a:t>2016/10/08</a:t>
+              <a:t>2016/10/11</a:t>
             </a:fld>
             <a:endParaRPr lang="en-US"/>
           </a:p>
@@ -2512,7 +2512,7 @@
           <a:p>
             <a:fld id="{63A1C593-65D0-4073-BCC9-577B9352EA97}" type="datetimeFigureOut">
               <a:rPr lang="en-US" smtClean="0"/>
-              <a:t>2016/10/08</a:t>
+              <a:t>2016/10/11</a:t>
             </a:fld>
             <a:endParaRPr lang="en-US"/>
           </a:p>
@@ -3345,7 +3345,15 @@
           <a:p>
             <a:r>
               <a:rPr lang="en-US" dirty="0" smtClean="0"/>
-              <a:t>Text Hell Presentation Smell</a:t>
+              <a:t>Text Hell </a:t>
+            </a:r>
+            <a:r>
+              <a:rPr lang="en-US" u="sng" dirty="0" smtClean="0"/>
+              <a:t>Presentation</a:t>
+            </a:r>
+            <a:r>
+              <a:rPr lang="en-US" dirty="0" smtClean="0"/>
+              <a:t> Smell</a:t>
             </a:r>
             <a:endParaRPr lang="en-US" dirty="0"/>
           </a:p>
@@ -3465,7 +3473,22 @@
             </a:r>
             <a:r>
               <a:rPr lang="en-US" sz="1400" dirty="0" smtClean="0"/>
-              <a:t> this.</a:t>
+              <a:t> </a:t>
+            </a:r>
+            <a:r>
+              <a:rPr lang="en-US" dirty="0">
+                <a:solidFill>
+                  <a:schemeClr val="accent4">
+                    <a:lumMod val="60000"/>
+                    <a:lumOff val="40000"/>
+                  </a:schemeClr>
+                </a:solidFill>
+              </a:rPr>
+              <a:t>this</a:t>
+            </a:r>
+            <a:r>
+              <a:rPr lang="en-US" sz="1400" dirty="0" smtClean="0"/>
+              <a:t>.</a:t>
             </a:r>
             <a:endParaRPr lang="en-US" sz="1400" dirty="0"/>
           </a:p>

--- a/SlideQTests/TestFile/SlideQTestCount.pptx
+++ b/SlideQTests/TestFile/SlideQTestCount.pptx
@@ -9,6 +9,8 @@
     <p:sldId id="257" r:id="rId3"/>
     <p:sldId id="258" r:id="rId4"/>
     <p:sldId id="259" r:id="rId5"/>
+    <p:sldId id="260" r:id="rId6"/>
+    <p:sldId id="261" r:id="rId7"/>
   </p:sldIdLst>
   <p:sldSz cx="12192000" cy="6858000"/>
   <p:notesSz cx="6858000" cy="9144000"/>
@@ -246,7 +248,7 @@
           <a:p>
             <a:fld id="{63A1C593-65D0-4073-BCC9-577B9352EA97}" type="datetimeFigureOut">
               <a:rPr lang="en-US" smtClean="0"/>
-              <a:t>2016/10/11</a:t>
+              <a:t>2016/10/19</a:t>
             </a:fld>
             <a:endParaRPr lang="en-US"/>
           </a:p>
@@ -411,7 +413,7 @@
           <a:p>
             <a:fld id="{63A1C593-65D0-4073-BCC9-577B9352EA97}" type="datetimeFigureOut">
               <a:rPr lang="en-US" smtClean="0"/>
-              <a:t>2016/10/11</a:t>
+              <a:t>2016/10/19</a:t>
             </a:fld>
             <a:endParaRPr lang="en-US"/>
           </a:p>
@@ -586,7 +588,7 @@
           <a:p>
             <a:fld id="{63A1C593-65D0-4073-BCC9-577B9352EA97}" type="datetimeFigureOut">
               <a:rPr lang="en-US" smtClean="0"/>
-              <a:t>2016/10/11</a:t>
+              <a:t>2016/10/19</a:t>
             </a:fld>
             <a:endParaRPr lang="en-US"/>
           </a:p>
@@ -751,7 +753,7 @@
           <a:p>
             <a:fld id="{63A1C593-65D0-4073-BCC9-577B9352EA97}" type="datetimeFigureOut">
               <a:rPr lang="en-US" smtClean="0"/>
-              <a:t>2016/10/11</a:t>
+              <a:t>2016/10/19</a:t>
             </a:fld>
             <a:endParaRPr lang="en-US"/>
           </a:p>
@@ -992,7 +994,7 @@
           <a:p>
             <a:fld id="{63A1C593-65D0-4073-BCC9-577B9352EA97}" type="datetimeFigureOut">
               <a:rPr lang="en-US" smtClean="0"/>
-              <a:t>2016/10/11</a:t>
+              <a:t>2016/10/19</a:t>
             </a:fld>
             <a:endParaRPr lang="en-US"/>
           </a:p>
@@ -1219,7 +1221,7 @@
           <a:p>
             <a:fld id="{63A1C593-65D0-4073-BCC9-577B9352EA97}" type="datetimeFigureOut">
               <a:rPr lang="en-US" smtClean="0"/>
-              <a:t>2016/10/11</a:t>
+              <a:t>2016/10/19</a:t>
             </a:fld>
             <a:endParaRPr lang="en-US"/>
           </a:p>
@@ -1581,7 +1583,7 @@
           <a:p>
             <a:fld id="{63A1C593-65D0-4073-BCC9-577B9352EA97}" type="datetimeFigureOut">
               <a:rPr lang="en-US" smtClean="0"/>
-              <a:t>2016/10/11</a:t>
+              <a:t>2016/10/19</a:t>
             </a:fld>
             <a:endParaRPr lang="en-US"/>
           </a:p>
@@ -1694,7 +1696,7 @@
           <a:p>
             <a:fld id="{63A1C593-65D0-4073-BCC9-577B9352EA97}" type="datetimeFigureOut">
               <a:rPr lang="en-US" smtClean="0"/>
-              <a:t>2016/10/11</a:t>
+              <a:t>2016/10/19</a:t>
             </a:fld>
             <a:endParaRPr lang="en-US"/>
           </a:p>
@@ -1784,7 +1786,7 @@
           <a:p>
             <a:fld id="{63A1C593-65D0-4073-BCC9-577B9352EA97}" type="datetimeFigureOut">
               <a:rPr lang="en-US" smtClean="0"/>
-              <a:t>2016/10/11</a:t>
+              <a:t>2016/10/19</a:t>
             </a:fld>
             <a:endParaRPr lang="en-US"/>
           </a:p>
@@ -2056,7 +2058,7 @@
           <a:p>
             <a:fld id="{63A1C593-65D0-4073-BCC9-577B9352EA97}" type="datetimeFigureOut">
               <a:rPr lang="en-US" smtClean="0"/>
-              <a:t>2016/10/11</a:t>
+              <a:t>2016/10/19</a:t>
             </a:fld>
             <a:endParaRPr lang="en-US"/>
           </a:p>
@@ -2304,7 +2306,7 @@
           <a:p>
             <a:fld id="{63A1C593-65D0-4073-BCC9-577B9352EA97}" type="datetimeFigureOut">
               <a:rPr lang="en-US" smtClean="0"/>
-              <a:t>2016/10/11</a:t>
+              <a:t>2016/10/19</a:t>
             </a:fld>
             <a:endParaRPr lang="en-US"/>
           </a:p>
@@ -2512,7 +2514,7 @@
           <a:p>
             <a:fld id="{63A1C593-65D0-4073-BCC9-577B9352EA97}" type="datetimeFigureOut">
               <a:rPr lang="en-US" smtClean="0"/>
-              <a:t>2016/10/11</a:t>
+              <a:t>2016/10/19</a:t>
             </a:fld>
             <a:endParaRPr lang="en-US"/>
           </a:p>
@@ -2939,6 +2941,13 @@
   <p:clrMapOvr>
     <a:masterClrMapping/>
   </p:clrMapOvr>
+  <p:timing>
+    <p:tnLst>
+      <p:par>
+        <p:cTn id="1" dur="indefinite" restart="never" nodeType="tmRoot"/>
+      </p:par>
+    </p:tnLst>
+  </p:timing>
 </p:sld>
 </file>
 
@@ -3394,6 +3403,13 @@
   <p:clrMapOvr>
     <a:masterClrMapping/>
   </p:clrMapOvr>
+  <p:timing>
+    <p:tnLst>
+      <p:par>
+        <p:cTn id="1" dur="indefinite" restart="never" nodeType="tmRoot"/>
+      </p:par>
+    </p:tnLst>
+  </p:timing>
 </p:sld>
 </file>
 
@@ -3459,7 +3475,17 @@
             </a:r>
             <a:r>
               <a:rPr lang="en-US" sz="1400" dirty="0" smtClean="0"/>
-              <a:t> can you </a:t>
+              <a:t> can </a:t>
+            </a:r>
+            <a:r>
+              <a:rPr lang="en-US" sz="1400" dirty="0" smtClean="0">
+                <a:latin typeface="Algerian" panose="04020705040A02060702" pitchFamily="82" charset="0"/>
+              </a:rPr>
+              <a:t>you</a:t>
+            </a:r>
+            <a:r>
+              <a:rPr lang="en-US" sz="1400" dirty="0" smtClean="0"/>
+              <a:t> </a:t>
             </a:r>
             <a:r>
               <a:rPr lang="en-US" sz="1400" dirty="0" smtClean="0">
@@ -3498,6 +3524,190 @@
     <p:extLst>
       <p:ext uri="{BB962C8B-B14F-4D97-AF65-F5344CB8AC3E}">
         <p14:creationId xmlns:p14="http://schemas.microsoft.com/office/powerpoint/2010/main" val="858684902"/>
+      </p:ext>
+    </p:extLst>
+  </p:cSld>
+  <p:clrMapOvr>
+    <a:masterClrMapping/>
+  </p:clrMapOvr>
+  <p:timing>
+    <p:tnLst>
+      <p:par>
+        <p:cTn id="1" dur="indefinite" restart="never" nodeType="tmRoot"/>
+      </p:par>
+    </p:tnLst>
+  </p:timing>
+</p:sld>
+</file>
+
+<file path=ppt/slides/slide5.xml><?xml version="1.0" encoding="utf-8"?>
+<p:sld xmlns:a="http://schemas.openxmlformats.org/drawingml/2006/main" xmlns:r="http://schemas.openxmlformats.org/officeDocument/2006/relationships" xmlns:p="http://schemas.openxmlformats.org/presentationml/2006/main">
+  <p:cSld>
+    <p:spTree>
+      <p:nvGrpSpPr>
+        <p:cNvPr id="1" name=""/>
+        <p:cNvGrpSpPr/>
+        <p:nvPr/>
+      </p:nvGrpSpPr>
+      <p:grpSpPr>
+        <a:xfrm>
+          <a:off x="0" y="0"/>
+          <a:ext cx="0" cy="0"/>
+          <a:chOff x="0" y="0"/>
+          <a:chExt cx="0" cy="0"/>
+        </a:xfrm>
+      </p:grpSpPr>
+      <p:sp>
+        <p:nvSpPr>
+          <p:cNvPr id="2" name="Title 1"/>
+          <p:cNvSpPr>
+            <a:spLocks noGrp="1"/>
+          </p:cNvSpPr>
+          <p:nvPr>
+            <p:ph type="title"/>
+          </p:nvPr>
+        </p:nvSpPr>
+        <p:spPr/>
+        <p:txBody>
+          <a:bodyPr/>
+          <a:lstStyle/>
+          <a:p>
+            <a:endParaRPr lang="en-US"/>
+          </a:p>
+        </p:txBody>
+      </p:sp>
+      <p:sp>
+        <p:nvSpPr>
+          <p:cNvPr id="3" name="Content Placeholder 2"/>
+          <p:cNvSpPr>
+            <a:spLocks noGrp="1"/>
+          </p:cNvSpPr>
+          <p:nvPr>
+            <p:ph idx="1"/>
+          </p:nvPr>
+        </p:nvSpPr>
+        <p:spPr/>
+        <p:txBody>
+          <a:bodyPr/>
+          <a:lstStyle/>
+          <a:p>
+            <a:r>
+              <a:rPr lang="en-US" dirty="0" smtClean="0"/>
+              <a:t>Hello </a:t>
+            </a:r>
+          </a:p>
+          <a:p>
+            <a:pPr lvl="1"/>
+            <a:r>
+              <a:rPr lang="en-US" dirty="0" smtClean="0"/>
+              <a:t>Hi</a:t>
+            </a:r>
+          </a:p>
+          <a:p>
+            <a:pPr lvl="2"/>
+            <a:r>
+              <a:rPr lang="en-US" dirty="0" smtClean="0"/>
+              <a:t>3</a:t>
+            </a:r>
+            <a:r>
+              <a:rPr lang="en-US" baseline="30000" dirty="0" smtClean="0"/>
+              <a:t>rd</a:t>
+            </a:r>
+            <a:r>
+              <a:rPr lang="en-US" dirty="0" smtClean="0"/>
+              <a:t> level</a:t>
+            </a:r>
+            <a:endParaRPr lang="en-US" dirty="0"/>
+          </a:p>
+        </p:txBody>
+      </p:sp>
+    </p:spTree>
+    <p:extLst>
+      <p:ext uri="{BB962C8B-B14F-4D97-AF65-F5344CB8AC3E}">
+        <p14:creationId xmlns:p14="http://schemas.microsoft.com/office/powerpoint/2010/main" val="3409401435"/>
+      </p:ext>
+    </p:extLst>
+  </p:cSld>
+  <p:clrMapOvr>
+    <a:masterClrMapping/>
+  </p:clrMapOvr>
+  <p:timing>
+    <p:tnLst>
+      <p:par>
+        <p:cTn id="1" dur="indefinite" restart="never" nodeType="tmRoot"/>
+      </p:par>
+    </p:tnLst>
+  </p:timing>
+</p:sld>
+</file>
+
+<file path=ppt/slides/slide6.xml><?xml version="1.0" encoding="utf-8"?>
+<p:sld xmlns:a="http://schemas.openxmlformats.org/drawingml/2006/main" xmlns:r="http://schemas.openxmlformats.org/officeDocument/2006/relationships" xmlns:p="http://schemas.openxmlformats.org/presentationml/2006/main">
+  <p:cSld>
+    <p:spTree>
+      <p:nvGrpSpPr>
+        <p:cNvPr id="1" name=""/>
+        <p:cNvGrpSpPr/>
+        <p:nvPr/>
+      </p:nvGrpSpPr>
+      <p:grpSpPr>
+        <a:xfrm>
+          <a:off x="0" y="0"/>
+          <a:ext cx="0" cy="0"/>
+          <a:chOff x="0" y="0"/>
+          <a:chExt cx="0" cy="0"/>
+        </a:xfrm>
+      </p:grpSpPr>
+      <p:sp>
+        <p:nvSpPr>
+          <p:cNvPr id="2" name="Title 1"/>
+          <p:cNvSpPr>
+            <a:spLocks noGrp="1"/>
+          </p:cNvSpPr>
+          <p:nvPr>
+            <p:ph type="title"/>
+          </p:nvPr>
+        </p:nvSpPr>
+        <p:spPr/>
+        <p:txBody>
+          <a:bodyPr/>
+          <a:lstStyle/>
+          <a:p>
+            <a:endParaRPr lang="en-US" dirty="0"/>
+          </a:p>
+        </p:txBody>
+      </p:sp>
+      <p:sp>
+        <p:nvSpPr>
+          <p:cNvPr id="3" name="Content Placeholder 2"/>
+          <p:cNvSpPr>
+            <a:spLocks noGrp="1"/>
+          </p:cNvSpPr>
+          <p:nvPr>
+            <p:ph idx="1"/>
+          </p:nvPr>
+        </p:nvSpPr>
+        <p:spPr/>
+        <p:txBody>
+          <a:bodyPr/>
+          <a:lstStyle/>
+          <a:p>
+            <a:r>
+              <a:rPr lang="en-US" dirty="0" err="1" smtClean="0"/>
+              <a:t>Renama</a:t>
+            </a:r>
+            <a:r>
+              <a:rPr lang="en-US" smtClean="0"/>
+              <a:t> </a:t>
+            </a:r>
+            <a:endParaRPr lang="en-US"/>
+          </a:p>
+        </p:txBody>
+      </p:sp>
+    </p:spTree>
+    <p:extLst>
+      <p:ext uri="{BB962C8B-B14F-4D97-AF65-F5344CB8AC3E}">
+        <p14:creationId xmlns:p14="http://schemas.microsoft.com/office/powerpoint/2010/main" val="1563517128"/>
       </p:ext>
     </p:extLst>
   </p:cSld>
